--- a/trabalho/trabalho diego atualizado.pptx
+++ b/trabalho/trabalho diego atualizado.pptx
@@ -122,7 +122,7 @@
   </p:defaultTextStyle>
   <p:extLst>
     <p:ext uri="{EFAFB233-063F-42B5-8137-9DF3F51BA10A}">
-      <p15:sldGuideLst xmlns:p15="http://schemas.microsoft.com/office/powerpoint/2012/main">
+      <p15:sldGuideLst xmlns:p15="http://schemas.microsoft.com/office/powerpoint/2012/main" xmlns="">
         <p15:guide id="1" orient="horz" pos="2160">
           <p15:clr>
             <a:srgbClr val="A4A3A4"/>
@@ -221,7 +221,7 @@
           <a:p>
             <a:fld id="{4BF80A8F-8FD5-4D7B-A1AE-B3A2299D37D4}" type="datetimeFigureOut">
               <a:rPr lang="pt-BR" smtClean="0"/>
-              <a:t>30/12/2020</a:t>
+              <a:t>07/01/2021</a:t>
             </a:fld>
             <a:endParaRPr lang="pt-BR"/>
           </a:p>
@@ -766,7 +766,7 @@
           <a:p>
             <a:fld id="{E90E8A91-6686-43FA-A6EF-E52202FFCCA3}" type="datetimeFigureOut">
               <a:rPr lang="pt-BR" smtClean="0"/>
-              <a:t>30/12/2020</a:t>
+              <a:t>07/01/2021</a:t>
             </a:fld>
             <a:endParaRPr lang="pt-BR"/>
           </a:p>
@@ -1064,7 +1064,7 @@
           <a:p>
             <a:fld id="{E90E8A91-6686-43FA-A6EF-E52202FFCCA3}" type="datetimeFigureOut">
               <a:rPr lang="pt-BR" smtClean="0"/>
-              <a:t>30/12/2020</a:t>
+              <a:t>07/01/2021</a:t>
             </a:fld>
             <a:endParaRPr lang="pt-BR"/>
           </a:p>
@@ -1256,7 +1256,7 @@
           <a:p>
             <a:fld id="{E90E8A91-6686-43FA-A6EF-E52202FFCCA3}" type="datetimeFigureOut">
               <a:rPr lang="pt-BR" smtClean="0"/>
-              <a:t>30/12/2020</a:t>
+              <a:t>07/01/2021</a:t>
             </a:fld>
             <a:endParaRPr lang="pt-BR"/>
           </a:p>
@@ -1517,7 +1517,7 @@
           <a:p>
             <a:fld id="{E90E8A91-6686-43FA-A6EF-E52202FFCCA3}" type="datetimeFigureOut">
               <a:rPr lang="pt-BR" smtClean="0"/>
-              <a:t>30/12/2020</a:t>
+              <a:t>07/01/2021</a:t>
             </a:fld>
             <a:endParaRPr lang="pt-BR"/>
           </a:p>
@@ -1941,7 +1941,7 @@
           <a:p>
             <a:fld id="{E90E8A91-6686-43FA-A6EF-E52202FFCCA3}" type="datetimeFigureOut">
               <a:rPr lang="pt-BR" smtClean="0"/>
-              <a:t>30/12/2020</a:t>
+              <a:t>07/01/2021</a:t>
             </a:fld>
             <a:endParaRPr lang="pt-BR"/>
           </a:p>
@@ -2478,7 +2478,7 @@
           <a:p>
             <a:fld id="{E90E8A91-6686-43FA-A6EF-E52202FFCCA3}" type="datetimeFigureOut">
               <a:rPr lang="pt-BR" smtClean="0"/>
-              <a:t>30/12/2020</a:t>
+              <a:t>07/01/2021</a:t>
             </a:fld>
             <a:endParaRPr lang="pt-BR"/>
           </a:p>
@@ -3342,7 +3342,7 @@
           <a:p>
             <a:fld id="{E90E8A91-6686-43FA-A6EF-E52202FFCCA3}" type="datetimeFigureOut">
               <a:rPr lang="pt-BR" smtClean="0"/>
-              <a:t>30/12/2020</a:t>
+              <a:t>07/01/2021</a:t>
             </a:fld>
             <a:endParaRPr lang="pt-BR"/>
           </a:p>
@@ -3512,7 +3512,7 @@
           <a:p>
             <a:fld id="{E90E8A91-6686-43FA-A6EF-E52202FFCCA3}" type="datetimeFigureOut">
               <a:rPr lang="pt-BR" smtClean="0"/>
-              <a:t>30/12/2020</a:t>
+              <a:t>07/01/2021</a:t>
             </a:fld>
             <a:endParaRPr lang="pt-BR"/>
           </a:p>
@@ -3696,7 +3696,7 @@
           <a:p>
             <a:fld id="{E90E8A91-6686-43FA-A6EF-E52202FFCCA3}" type="datetimeFigureOut">
               <a:rPr lang="pt-BR" smtClean="0"/>
-              <a:t>30/12/2020</a:t>
+              <a:t>07/01/2021</a:t>
             </a:fld>
             <a:endParaRPr lang="pt-BR"/>
           </a:p>
@@ -3866,7 +3866,7 @@
           <a:p>
             <a:fld id="{E90E8A91-6686-43FA-A6EF-E52202FFCCA3}" type="datetimeFigureOut">
               <a:rPr lang="pt-BR" smtClean="0"/>
-              <a:t>30/12/2020</a:t>
+              <a:t>07/01/2021</a:t>
             </a:fld>
             <a:endParaRPr lang="pt-BR"/>
           </a:p>
@@ -4110,7 +4110,7 @@
           <a:p>
             <a:fld id="{E90E8A91-6686-43FA-A6EF-E52202FFCCA3}" type="datetimeFigureOut">
               <a:rPr lang="pt-BR" smtClean="0"/>
-              <a:t>30/12/2020</a:t>
+              <a:t>07/01/2021</a:t>
             </a:fld>
             <a:endParaRPr lang="pt-BR"/>
           </a:p>
@@ -4346,7 +4346,7 @@
           <a:p>
             <a:fld id="{E90E8A91-6686-43FA-A6EF-E52202FFCCA3}" type="datetimeFigureOut">
               <a:rPr lang="pt-BR" smtClean="0"/>
-              <a:t>30/12/2020</a:t>
+              <a:t>07/01/2021</a:t>
             </a:fld>
             <a:endParaRPr lang="pt-BR"/>
           </a:p>
@@ -4812,7 +4812,7 @@
           <a:p>
             <a:fld id="{E90E8A91-6686-43FA-A6EF-E52202FFCCA3}" type="datetimeFigureOut">
               <a:rPr lang="pt-BR" smtClean="0"/>
-              <a:t>30/12/2020</a:t>
+              <a:t>07/01/2021</a:t>
             </a:fld>
             <a:endParaRPr lang="pt-BR"/>
           </a:p>
@@ -4930,7 +4930,7 @@
           <a:p>
             <a:fld id="{E90E8A91-6686-43FA-A6EF-E52202FFCCA3}" type="datetimeFigureOut">
               <a:rPr lang="pt-BR" smtClean="0"/>
-              <a:t>30/12/2020</a:t>
+              <a:t>07/01/2021</a:t>
             </a:fld>
             <a:endParaRPr lang="pt-BR"/>
           </a:p>
@@ -5025,7 +5025,7 @@
           <a:p>
             <a:fld id="{E90E8A91-6686-43FA-A6EF-E52202FFCCA3}" type="datetimeFigureOut">
               <a:rPr lang="pt-BR" smtClean="0"/>
-              <a:t>30/12/2020</a:t>
+              <a:t>07/01/2021</a:t>
             </a:fld>
             <a:endParaRPr lang="pt-BR"/>
           </a:p>
@@ -5280,7 +5280,7 @@
           <a:p>
             <a:fld id="{E90E8A91-6686-43FA-A6EF-E52202FFCCA3}" type="datetimeFigureOut">
               <a:rPr lang="pt-BR" smtClean="0"/>
-              <a:t>30/12/2020</a:t>
+              <a:t>07/01/2021</a:t>
             </a:fld>
             <a:endParaRPr lang="pt-BR"/>
           </a:p>
@@ -5580,7 +5580,7 @@
           <a:p>
             <a:fld id="{E90E8A91-6686-43FA-A6EF-E52202FFCCA3}" type="datetimeFigureOut">
               <a:rPr lang="pt-BR" smtClean="0"/>
-              <a:t>30/12/2020</a:t>
+              <a:t>07/01/2021</a:t>
             </a:fld>
             <a:endParaRPr lang="pt-BR"/>
           </a:p>
@@ -5814,7 +5814,7 @@
           <a:p>
             <a:fld id="{E90E8A91-6686-43FA-A6EF-E52202FFCCA3}" type="datetimeFigureOut">
               <a:rPr lang="pt-BR" smtClean="0"/>
-              <a:t>30/12/2020</a:t>
+              <a:t>07/01/2021</a:t>
             </a:fld>
             <a:endParaRPr lang="pt-BR"/>
           </a:p>
@@ -6518,8 +6518,35 @@
                 <a:effectLst/>
                 <a:latin typeface="Century751 SeBd BT" pitchFamily="2" charset="0"/>
               </a:rPr>
-              <a:t>Fundamentos da Informática</a:t>
-            </a:r>
+              <a:t>Fundamentos </a:t>
+            </a:r>
+            <a:r>
+              <a:rPr lang="pt-BR" sz="2800" b="0">
+                <a:solidFill>
+                  <a:schemeClr val="tx1"/>
+                </a:solidFill>
+                <a:effectLst/>
+                <a:latin typeface="Century751 SeBd BT" pitchFamily="2" charset="0"/>
+              </a:rPr>
+              <a:t>da </a:t>
+            </a:r>
+            <a:r>
+              <a:rPr lang="pt-BR" sz="2800" b="0" smtClean="0">
+                <a:solidFill>
+                  <a:schemeClr val="tx1"/>
+                </a:solidFill>
+                <a:effectLst/>
+                <a:latin typeface="Century751 SeBd BT" pitchFamily="2" charset="0"/>
+              </a:rPr>
+              <a:t>Informática.</a:t>
+            </a:r>
+            <a:endParaRPr lang="pt-BR" sz="2800" b="0" dirty="0">
+              <a:solidFill>
+                <a:schemeClr val="tx1"/>
+              </a:solidFill>
+              <a:effectLst/>
+              <a:latin typeface="Century751 SeBd BT" pitchFamily="2" charset="0"/>
+            </a:endParaRPr>
           </a:p>
           <a:p>
             <a:r>
@@ -6630,7 +6657,7 @@
           <p:cNvPr id="6" name="Imagem 5">
             <a:extLst>
               <a:ext uri="{FF2B5EF4-FFF2-40B4-BE49-F238E27FC236}">
-                <a16:creationId xmlns:a16="http://schemas.microsoft.com/office/drawing/2014/main" id="{FE91CB0A-ABBF-4523-9F00-1A73601A1DDE}"/>
+                <a16:creationId xmlns:a16="http://schemas.microsoft.com/office/drawing/2014/main" xmlns="" id="{FE91CB0A-ABBF-4523-9F00-1A73601A1DDE}"/>
               </a:ext>
             </a:extLst>
           </p:cNvPr>
@@ -8241,6 +8268,12 @@
                 <a:latin typeface="Century751 No2 BT" panose="02040604050505020204" pitchFamily="18" charset="0"/>
               </a:rPr>
               <a:t>Características dos Computadores</a:t>
+            </a:r>
+            <a:r>
+              <a:rPr lang="pt-BR" dirty="0">
+                <a:effectLst/>
+              </a:rPr>
+              <a:t/>
             </a:r>
             <a:br>
               <a:rPr lang="pt-BR" dirty="0">
@@ -9458,7 +9491,7 @@
   <a:extraClrSchemeLst/>
   <a:extLst>
     <a:ext uri="{05A4C25C-085E-4340-85A3-A5531E510DB2}">
-      <thm15:themeFamily xmlns:thm15="http://schemas.microsoft.com/office/thememl/2012/main" name="Slate" id="{C3F70B94-7CE9-428E-ADC1-3269CC2C3385}" vid="{3F2DE9A5-64E6-437C-A389-CC4477E817E8}"/>
+      <thm15:themeFamily xmlns:thm15="http://schemas.microsoft.com/office/thememl/2012/main" xmlns="" name="Slate" id="{C3F70B94-7CE9-428E-ADC1-3269CC2C3385}" vid="{3F2DE9A5-64E6-437C-A389-CC4477E817E8}"/>
     </a:ext>
   </a:extLst>
 </a:theme>
@@ -9753,7 +9786,7 @@
   <a:extraClrSchemeLst/>
   <a:extLst>
     <a:ext uri="{05A4C25C-085E-4340-85A3-A5531E510DB2}">
-      <thm15:themeFamily xmlns:thm15="http://schemas.microsoft.com/office/thememl/2012/main" name="Office Theme" id="{62F939B6-93AF-4DB8-9C6B-D6C7DFDC589F}" vid="{4A3C46E8-61CC-4603-A589-7422A47A8E4A}"/>
+      <thm15:themeFamily xmlns:thm15="http://schemas.microsoft.com/office/thememl/2012/main" xmlns="" name="Office Theme" id="{62F939B6-93AF-4DB8-9C6B-D6C7DFDC589F}" vid="{4A3C46E8-61CC-4603-A589-7422A47A8E4A}"/>
     </a:ext>
   </a:extLst>
 </a:theme>
